--- a/University of Illinois REU Introduction to Matlab Day 2 with examples.pptx
+++ b/University of Illinois REU Introduction to Matlab Day 2 with examples.pptx
@@ -3648,38 +3648,129 @@
             <p:ph type="title"/>
           </p:nvPr>
         </p:nvSpPr>
-        <p:spPr/>
-        <p:txBody>
-          <a:bodyPr/>
-          <a:lstStyle/>
-          <a:p>
-            <a:r>
-              <a:rPr lang="en-US"/>
+        <p:spPr>
+          <a:xfrm>
+            <a:off x="152400" y="26825"/>
+            <a:ext cx="10515600" cy="1325563"/>
+          </a:xfrm>
+        </p:spPr>
+        <p:txBody>
+          <a:bodyPr/>
+          <a:lstStyle/>
+          <a:p>
+            <a:r>
+              <a:rPr lang="en-US" dirty="0"/>
               <a:t>This is what mine looks like</a:t>
             </a:r>
+          </a:p>
+        </p:txBody>
+      </p:sp>
+      <p:sp>
+        <p:nvSpPr>
+          <p:cNvPr id="3" name="Content Placeholder 2"/>
+          <p:cNvSpPr>
+            <a:spLocks noGrp="1"/>
+          </p:cNvSpPr>
+          <p:nvPr>
+            <p:ph idx="1"/>
+          </p:nvPr>
+        </p:nvSpPr>
+        <p:spPr>
+          <a:xfrm>
+            <a:off x="838200" y="1825625"/>
+            <a:ext cx="7056120" cy="4351338"/>
+          </a:xfrm>
+        </p:spPr>
+        <p:txBody>
+          <a:bodyPr/>
+          <a:lstStyle/>
+          <a:p>
             <a:endParaRPr lang="en-US"/>
           </a:p>
         </p:txBody>
       </p:sp>
-      <p:sp>
-        <p:nvSpPr>
-          <p:cNvPr id="3" name="Content Placeholder 2"/>
-          <p:cNvSpPr>
-            <a:spLocks noGrp="1"/>
-          </p:cNvSpPr>
-          <p:nvPr>
-            <p:ph idx="1"/>
-          </p:nvPr>
-        </p:nvSpPr>
-        <p:spPr/>
-        <p:txBody>
-          <a:bodyPr/>
-          <a:lstStyle/>
-          <a:p>
-            <a:endParaRPr lang="en-US"/>
-          </a:p>
-        </p:txBody>
-      </p:sp>
+      <p:pic>
+        <p:nvPicPr>
+          <p:cNvPr id="4" name="Picture 3"/>
+          <p:cNvPicPr>
+            <a:picLocks noChangeAspect="1"/>
+          </p:cNvPicPr>
+          <p:nvPr/>
+        </p:nvPicPr>
+        <p:blipFill>
+          <a:blip r:embed="rId2"/>
+          <a:stretch>
+            <a:fillRect/>
+          </a:stretch>
+        </p:blipFill>
+        <p:spPr>
+          <a:xfrm>
+            <a:off x="8275320" y="3824288"/>
+            <a:ext cx="3421380" cy="2566035"/>
+          </a:xfrm>
+          <a:prstGeom prst="rect">
+            <a:avLst/>
+          </a:prstGeom>
+          <a:ln>
+            <a:solidFill>
+              <a:schemeClr val="tx1"/>
+            </a:solidFill>
+          </a:ln>
+        </p:spPr>
+      </p:pic>
+      <p:pic>
+        <p:nvPicPr>
+          <p:cNvPr id="5" name="Picture 4"/>
+          <p:cNvPicPr>
+            <a:picLocks noChangeAspect="1"/>
+          </p:cNvPicPr>
+          <p:nvPr/>
+        </p:nvPicPr>
+        <p:blipFill>
+          <a:blip r:embed="rId3"/>
+          <a:stretch>
+            <a:fillRect/>
+          </a:stretch>
+        </p:blipFill>
+        <p:spPr>
+          <a:xfrm>
+            <a:off x="8275320" y="1064894"/>
+            <a:ext cx="3421380" cy="2566035"/>
+          </a:xfrm>
+          <a:prstGeom prst="rect">
+            <a:avLst/>
+          </a:prstGeom>
+          <a:ln>
+            <a:solidFill>
+              <a:schemeClr val="tx1"/>
+            </a:solidFill>
+          </a:ln>
+        </p:spPr>
+      </p:pic>
+      <p:pic>
+        <p:nvPicPr>
+          <p:cNvPr id="6" name="Picture 5"/>
+          <p:cNvPicPr>
+            <a:picLocks noChangeAspect="1"/>
+          </p:cNvPicPr>
+          <p:nvPr/>
+        </p:nvPicPr>
+        <p:blipFill>
+          <a:blip r:embed="rId4"/>
+          <a:stretch>
+            <a:fillRect/>
+          </a:stretch>
+        </p:blipFill>
+        <p:spPr>
+          <a:xfrm>
+            <a:off x="1870016" y="1370331"/>
+            <a:ext cx="4526743" cy="4805680"/>
+          </a:xfrm>
+          <a:prstGeom prst="rect">
+            <a:avLst/>
+          </a:prstGeom>
+        </p:spPr>
+      </p:pic>
     </p:spTree>
     <p:extLst>
       <p:ext uri="{BB962C8B-B14F-4D97-AF65-F5344CB8AC3E}">
@@ -3742,7 +3833,12 @@
             <p:ph idx="1"/>
           </p:nvPr>
         </p:nvSpPr>
-        <p:spPr/>
+        <p:spPr>
+          <a:xfrm>
+            <a:off x="373380" y="1558925"/>
+            <a:ext cx="8549640" cy="1732915"/>
+          </a:xfrm>
+        </p:spPr>
         <p:txBody>
           <a:bodyPr/>
           <a:lstStyle/>
@@ -3777,8 +3873,8 @@
         </p:nvSpPr>
         <p:spPr>
           <a:xfrm>
-            <a:off x="2781300" y="4182111"/>
-            <a:ext cx="6248400" cy="923330"/>
+            <a:off x="2628900" y="5435749"/>
+            <a:ext cx="9288780" cy="646331"/>
           </a:xfrm>
           <a:prstGeom prst="rect">
             <a:avLst/>
@@ -3803,6 +3899,223 @@
           </a:p>
         </p:txBody>
       </p:sp>
+      <p:pic>
+        <p:nvPicPr>
+          <p:cNvPr id="5" name="Picture 4"/>
+          <p:cNvPicPr>
+            <a:picLocks noChangeAspect="1"/>
+          </p:cNvPicPr>
+          <p:nvPr/>
+        </p:nvPicPr>
+        <p:blipFill rotWithShape="1">
+          <a:blip r:embed="rId2"/>
+          <a:srcRect r="45821"/>
+          <a:stretch/>
+        </p:blipFill>
+        <p:spPr>
+          <a:xfrm>
+            <a:off x="428693" y="3447415"/>
+            <a:ext cx="2802188" cy="1038225"/>
+          </a:xfrm>
+          <a:prstGeom prst="rect">
+            <a:avLst/>
+          </a:prstGeom>
+        </p:spPr>
+      </p:pic>
+      <p:cxnSp>
+        <p:nvCxnSpPr>
+          <p:cNvPr id="7" name="Straight Arrow Connector 6"/>
+          <p:cNvCxnSpPr/>
+          <p:nvPr/>
+        </p:nvCxnSpPr>
+        <p:spPr>
+          <a:xfrm flipV="1">
+            <a:off x="1379220" y="4274820"/>
+            <a:ext cx="822960" cy="731520"/>
+          </a:xfrm>
+          <a:prstGeom prst="straightConnector1">
+            <a:avLst/>
+          </a:prstGeom>
+          <a:ln w="38100">
+            <a:solidFill>
+              <a:schemeClr val="tx1"/>
+            </a:solidFill>
+            <a:tailEnd type="triangle"/>
+          </a:ln>
+        </p:spPr>
+        <p:style>
+          <a:lnRef idx="1">
+            <a:schemeClr val="accent1"/>
+          </a:lnRef>
+          <a:fillRef idx="0">
+            <a:schemeClr val="accent1"/>
+          </a:fillRef>
+          <a:effectRef idx="0">
+            <a:schemeClr val="accent1"/>
+          </a:effectRef>
+          <a:fontRef idx="minor">
+            <a:schemeClr val="tx1"/>
+          </a:fontRef>
+        </p:style>
+      </p:cxnSp>
+      <p:pic>
+        <p:nvPicPr>
+          <p:cNvPr id="8" name="Picture 7"/>
+          <p:cNvPicPr>
+            <a:picLocks noChangeAspect="1"/>
+          </p:cNvPicPr>
+          <p:nvPr/>
+        </p:nvPicPr>
+        <p:blipFill>
+          <a:blip r:embed="rId3"/>
+          <a:stretch>
+            <a:fillRect/>
+          </a:stretch>
+        </p:blipFill>
+        <p:spPr>
+          <a:xfrm>
+            <a:off x="7668713" y="2884488"/>
+            <a:ext cx="3537316" cy="2383155"/>
+          </a:xfrm>
+          <a:prstGeom prst="rect">
+            <a:avLst/>
+          </a:prstGeom>
+        </p:spPr>
+      </p:pic>
+      <p:sp>
+        <p:nvSpPr>
+          <p:cNvPr id="9" name="TextBox 8"/>
+          <p:cNvSpPr txBox="1"/>
+          <p:nvPr/>
+        </p:nvSpPr>
+        <p:spPr>
+          <a:xfrm>
+            <a:off x="4870676" y="4066859"/>
+            <a:ext cx="1613943" cy="369332"/>
+          </a:xfrm>
+          <a:prstGeom prst="rect">
+            <a:avLst/>
+          </a:prstGeom>
+          <a:noFill/>
+        </p:spPr>
+        <p:txBody>
+          <a:bodyPr wrap="square" rtlCol="0">
+            <a:spAutoFit/>
+          </a:bodyPr>
+          <a:lstStyle/>
+          <a:p>
+            <a:r>
+              <a:rPr lang="en-US" dirty="0"/>
+              <a:t>Variables to fit</a:t>
+            </a:r>
+          </a:p>
+        </p:txBody>
+      </p:sp>
+      <p:cxnSp>
+        <p:nvCxnSpPr>
+          <p:cNvPr id="12" name="Straight Arrow Connector 11"/>
+          <p:cNvCxnSpPr>
+            <a:stCxn id="9" idx="3"/>
+          </p:cNvCxnSpPr>
+          <p:nvPr/>
+        </p:nvCxnSpPr>
+        <p:spPr>
+          <a:xfrm flipV="1">
+            <a:off x="6484619" y="3447415"/>
+            <a:ext cx="1341121" cy="804110"/>
+          </a:xfrm>
+          <a:prstGeom prst="straightConnector1">
+            <a:avLst/>
+          </a:prstGeom>
+          <a:ln w="38100">
+            <a:solidFill>
+              <a:schemeClr val="tx1"/>
+            </a:solidFill>
+            <a:tailEnd type="triangle"/>
+          </a:ln>
+        </p:spPr>
+        <p:style>
+          <a:lnRef idx="1">
+            <a:schemeClr val="accent1"/>
+          </a:lnRef>
+          <a:fillRef idx="0">
+            <a:schemeClr val="accent1"/>
+          </a:fillRef>
+          <a:effectRef idx="0">
+            <a:schemeClr val="accent1"/>
+          </a:effectRef>
+          <a:fontRef idx="minor">
+            <a:schemeClr val="tx1"/>
+          </a:fontRef>
+        </p:style>
+      </p:cxnSp>
+      <p:sp>
+        <p:nvSpPr>
+          <p:cNvPr id="13" name="TextBox 12"/>
+          <p:cNvSpPr txBox="1"/>
+          <p:nvPr/>
+        </p:nvSpPr>
+        <p:spPr>
+          <a:xfrm>
+            <a:off x="9829800" y="2130306"/>
+            <a:ext cx="891591" cy="369332"/>
+          </a:xfrm>
+          <a:prstGeom prst="rect">
+            <a:avLst/>
+          </a:prstGeom>
+          <a:noFill/>
+        </p:spPr>
+        <p:txBody>
+          <a:bodyPr wrap="none" rtlCol="0">
+            <a:spAutoFit/>
+          </a:bodyPr>
+          <a:lstStyle/>
+          <a:p>
+            <a:r>
+              <a:rPr lang="en-US" dirty="0"/>
+              <a:t>Fit type</a:t>
+            </a:r>
+          </a:p>
+        </p:txBody>
+      </p:sp>
+      <p:cxnSp>
+        <p:nvCxnSpPr>
+          <p:cNvPr id="15" name="Straight Arrow Connector 14"/>
+          <p:cNvCxnSpPr>
+            <a:stCxn id="13" idx="2"/>
+          </p:cNvCxnSpPr>
+          <p:nvPr/>
+        </p:nvCxnSpPr>
+        <p:spPr>
+          <a:xfrm flipH="1">
+            <a:off x="9768840" y="2499638"/>
+            <a:ext cx="506756" cy="731242"/>
+          </a:xfrm>
+          <a:prstGeom prst="straightConnector1">
+            <a:avLst/>
+          </a:prstGeom>
+          <a:ln w="38100">
+            <a:solidFill>
+              <a:schemeClr val="tx1"/>
+            </a:solidFill>
+            <a:tailEnd type="triangle"/>
+          </a:ln>
+        </p:spPr>
+        <p:style>
+          <a:lnRef idx="1">
+            <a:schemeClr val="accent1"/>
+          </a:lnRef>
+          <a:fillRef idx="0">
+            <a:schemeClr val="accent1"/>
+          </a:fillRef>
+          <a:effectRef idx="0">
+            <a:schemeClr val="accent1"/>
+          </a:effectRef>
+          <a:fontRef idx="minor">
+            <a:schemeClr val="tx1"/>
+          </a:fontRef>
+        </p:style>
+      </p:cxnSp>
     </p:spTree>
     <p:extLst>
       <p:ext uri="{BB962C8B-B14F-4D97-AF65-F5344CB8AC3E}">
